--- a/Final_project/딥러닝 프레임워크.pptx
+++ b/Final_project/딥러닝 프레임워크.pptx
@@ -123,7 +123,7 @@
   </p:defaultTextStyle>
   <p:extLst>
     <p:ext uri="{EFAFB233-063F-42B5-8137-9DF3F51BA10A}">
-      <p15:sldGuideLst xmlns:p15="http://schemas.microsoft.com/office/powerpoint/2012/main" xmlns="">
+      <p15:sldGuideLst xmlns:p15="http://schemas.microsoft.com/office/powerpoint/2012/main">
         <p15:guide id="1" orient="horz" pos="2160">
           <p15:clr>
             <a:srgbClr val="A4A3A4"/>
@@ -321,7 +321,7 @@
           <a:p>
             <a:fld id="{FB30EDBD-1C2D-4C1E-B459-B60219FAB484}" type="datetimeFigureOut">
               <a:rPr lang="ko-KR" altLang="en-US" smtClean="0"/>
-              <a:t>2019-08-27</a:t>
+              <a:t>2019-10-05</a:t>
             </a:fld>
             <a:endParaRPr lang="ko-KR" altLang="en-US"/>
           </a:p>
@@ -486,7 +486,7 @@
           <a:p>
             <a:fld id="{FB30EDBD-1C2D-4C1E-B459-B60219FAB484}" type="datetimeFigureOut">
               <a:rPr lang="ko-KR" altLang="en-US" smtClean="0"/>
-              <a:t>2019-08-27</a:t>
+              <a:t>2019-10-05</a:t>
             </a:fld>
             <a:endParaRPr lang="ko-KR" altLang="en-US"/>
           </a:p>
@@ -661,7 +661,7 @@
           <a:p>
             <a:fld id="{FB30EDBD-1C2D-4C1E-B459-B60219FAB484}" type="datetimeFigureOut">
               <a:rPr lang="ko-KR" altLang="en-US" smtClean="0"/>
-              <a:t>2019-08-27</a:t>
+              <a:t>2019-10-05</a:t>
             </a:fld>
             <a:endParaRPr lang="ko-KR" altLang="en-US"/>
           </a:p>
@@ -826,7 +826,7 @@
           <a:p>
             <a:fld id="{FB30EDBD-1C2D-4C1E-B459-B60219FAB484}" type="datetimeFigureOut">
               <a:rPr lang="ko-KR" altLang="en-US" smtClean="0"/>
-              <a:t>2019-08-27</a:t>
+              <a:t>2019-10-05</a:t>
             </a:fld>
             <a:endParaRPr lang="ko-KR" altLang="en-US"/>
           </a:p>
@@ -1067,7 +1067,7 @@
           <a:p>
             <a:fld id="{FB30EDBD-1C2D-4C1E-B459-B60219FAB484}" type="datetimeFigureOut">
               <a:rPr lang="ko-KR" altLang="en-US" smtClean="0"/>
-              <a:t>2019-08-27</a:t>
+              <a:t>2019-10-05</a:t>
             </a:fld>
             <a:endParaRPr lang="ko-KR" altLang="en-US"/>
           </a:p>
@@ -1350,7 +1350,7 @@
           <a:p>
             <a:fld id="{FB30EDBD-1C2D-4C1E-B459-B60219FAB484}" type="datetimeFigureOut">
               <a:rPr lang="ko-KR" altLang="en-US" smtClean="0"/>
-              <a:t>2019-08-27</a:t>
+              <a:t>2019-10-05</a:t>
             </a:fld>
             <a:endParaRPr lang="ko-KR" altLang="en-US"/>
           </a:p>
@@ -1767,7 +1767,7 @@
           <a:p>
             <a:fld id="{FB30EDBD-1C2D-4C1E-B459-B60219FAB484}" type="datetimeFigureOut">
               <a:rPr lang="ko-KR" altLang="en-US" smtClean="0"/>
-              <a:t>2019-08-27</a:t>
+              <a:t>2019-10-05</a:t>
             </a:fld>
             <a:endParaRPr lang="ko-KR" altLang="en-US"/>
           </a:p>
@@ -1880,7 +1880,7 @@
           <a:p>
             <a:fld id="{FB30EDBD-1C2D-4C1E-B459-B60219FAB484}" type="datetimeFigureOut">
               <a:rPr lang="ko-KR" altLang="en-US" smtClean="0"/>
-              <a:t>2019-08-27</a:t>
+              <a:t>2019-10-05</a:t>
             </a:fld>
             <a:endParaRPr lang="ko-KR" altLang="en-US"/>
           </a:p>
@@ -1970,7 +1970,7 @@
           <a:p>
             <a:fld id="{FB30EDBD-1C2D-4C1E-B459-B60219FAB484}" type="datetimeFigureOut">
               <a:rPr lang="ko-KR" altLang="en-US" smtClean="0"/>
-              <a:t>2019-08-27</a:t>
+              <a:t>2019-10-05</a:t>
             </a:fld>
             <a:endParaRPr lang="ko-KR" altLang="en-US"/>
           </a:p>
@@ -2242,7 +2242,7 @@
           <a:p>
             <a:fld id="{FB30EDBD-1C2D-4C1E-B459-B60219FAB484}" type="datetimeFigureOut">
               <a:rPr lang="ko-KR" altLang="en-US" smtClean="0"/>
-              <a:t>2019-08-27</a:t>
+              <a:t>2019-10-05</a:t>
             </a:fld>
             <a:endParaRPr lang="ko-KR" altLang="en-US"/>
           </a:p>
@@ -2490,7 +2490,7 @@
           <a:p>
             <a:fld id="{FB30EDBD-1C2D-4C1E-B459-B60219FAB484}" type="datetimeFigureOut">
               <a:rPr lang="ko-KR" altLang="en-US" smtClean="0"/>
-              <a:t>2019-08-27</a:t>
+              <a:t>2019-10-05</a:t>
             </a:fld>
             <a:endParaRPr lang="ko-KR" altLang="en-US"/>
           </a:p>
@@ -2698,7 +2698,7 @@
           <a:p>
             <a:fld id="{FB30EDBD-1C2D-4C1E-B459-B60219FAB484}" type="datetimeFigureOut">
               <a:rPr lang="ko-KR" altLang="en-US" smtClean="0"/>
-              <a:t>2019-08-27</a:t>
+              <a:t>2019-10-05</a:t>
             </a:fld>
             <a:endParaRPr lang="ko-KR" altLang="en-US"/>
           </a:p>
@@ -4452,9 +4452,27 @@
             <a:tbl>
               <a:tblPr/>
               <a:tblGrid>
-                <a:gridCol w="1968219"/>
-                <a:gridCol w="2784308"/>
-                <a:gridCol w="2592288"/>
+                <a:gridCol w="1968219">
+                  <a:extLst>
+                    <a:ext uri="{9D8B030D-6E8A-4147-A177-3AD203B41FA5}">
+                      <a16:colId xmlns:a16="http://schemas.microsoft.com/office/drawing/2014/main" val="20000"/>
+                    </a:ext>
+                  </a:extLst>
+                </a:gridCol>
+                <a:gridCol w="2784308">
+                  <a:extLst>
+                    <a:ext uri="{9D8B030D-6E8A-4147-A177-3AD203B41FA5}">
+                      <a16:colId xmlns:a16="http://schemas.microsoft.com/office/drawing/2014/main" val="20001"/>
+                    </a:ext>
+                  </a:extLst>
+                </a:gridCol>
+                <a:gridCol w="2592288">
+                  <a:extLst>
+                    <a:ext uri="{9D8B030D-6E8A-4147-A177-3AD203B41FA5}">
+                      <a16:colId xmlns:a16="http://schemas.microsoft.com/office/drawing/2014/main" val="20002"/>
+                    </a:ext>
+                  </a:extLst>
+                </a:gridCol>
               </a:tblGrid>
               <a:tr h="0">
                 <a:tc>
@@ -4646,6 +4664,11 @@
                     </a:solidFill>
                   </a:tcPr>
                 </a:tc>
+                <a:extLst>
+                  <a:ext uri="{0D108BD9-81ED-4DB2-BD59-A6C34878D82A}">
+                    <a16:rowId xmlns:a16="http://schemas.microsoft.com/office/drawing/2014/main" val="10000"/>
+                  </a:ext>
+                </a:extLst>
               </a:tr>
               <a:tr h="0">
                 <a:tc>
@@ -4853,6 +4876,11 @@
                     </a:solidFill>
                   </a:tcPr>
                 </a:tc>
+                <a:extLst>
+                  <a:ext uri="{0D108BD9-81ED-4DB2-BD59-A6C34878D82A}">
+                    <a16:rowId xmlns:a16="http://schemas.microsoft.com/office/drawing/2014/main" val="10001"/>
+                  </a:ext>
+                </a:extLst>
               </a:tr>
               <a:tr h="0">
                 <a:tc>
@@ -5068,6 +5096,11 @@
                     </a:solidFill>
                   </a:tcPr>
                 </a:tc>
+                <a:extLst>
+                  <a:ext uri="{0D108BD9-81ED-4DB2-BD59-A6C34878D82A}">
+                    <a16:rowId xmlns:a16="http://schemas.microsoft.com/office/drawing/2014/main" val="10002"/>
+                  </a:ext>
+                </a:extLst>
               </a:tr>
               <a:tr h="0">
                 <a:tc>
@@ -5267,6 +5300,11 @@
                     </a:solidFill>
                   </a:tcPr>
                 </a:tc>
+                <a:extLst>
+                  <a:ext uri="{0D108BD9-81ED-4DB2-BD59-A6C34878D82A}">
+                    <a16:rowId xmlns:a16="http://schemas.microsoft.com/office/drawing/2014/main" val="10003"/>
+                  </a:ext>
+                </a:extLst>
               </a:tr>
               <a:tr h="0">
                 <a:tc>
@@ -5466,6 +5504,11 @@
                     </a:solidFill>
                   </a:tcPr>
                 </a:tc>
+                <a:extLst>
+                  <a:ext uri="{0D108BD9-81ED-4DB2-BD59-A6C34878D82A}">
+                    <a16:rowId xmlns:a16="http://schemas.microsoft.com/office/drawing/2014/main" val="10004"/>
+                  </a:ext>
+                </a:extLst>
               </a:tr>
               <a:tr h="0">
                 <a:tc>
@@ -5700,6 +5743,11 @@
                     </a:solidFill>
                   </a:tcPr>
                 </a:tc>
+                <a:extLst>
+                  <a:ext uri="{0D108BD9-81ED-4DB2-BD59-A6C34878D82A}">
+                    <a16:rowId xmlns:a16="http://schemas.microsoft.com/office/drawing/2014/main" val="10005"/>
+                  </a:ext>
+                </a:extLst>
               </a:tr>
             </a:tbl>
           </a:graphicData>
@@ -7987,8 +8035,8 @@
         </p:nvSpPr>
         <p:spPr>
           <a:xfrm>
-            <a:off x="539553" y="2348880"/>
-            <a:ext cx="7992888" cy="2862322"/>
+            <a:off x="204288" y="2464879"/>
+            <a:ext cx="8939712" cy="2308324"/>
           </a:xfrm>
           <a:prstGeom prst="rect">
             <a:avLst/>
@@ -8494,88 +8542,6 @@
           <a:xfrm>
             <a:off x="252000" y="187200"/>
             <a:ext cx="2554324" cy="1440000"/>
-          </a:xfrm>
-          <a:prstGeom prst="rect">
-            <a:avLst/>
-          </a:prstGeom>
-          <a:noFill/>
-          <a:extLst>
-            <a:ext uri="{909E8E84-426E-40DD-AFC4-6F175D3DCCD1}">
-              <a14:hiddenFill xmlns:a14="http://schemas.microsoft.com/office/drawing/2010/main">
-                <a:solidFill>
-                  <a:srgbClr val="FFFFFF"/>
-                </a:solidFill>
-              </a14:hiddenFill>
-            </a:ext>
-          </a:extLst>
-        </p:spPr>
-      </p:pic>
-      <p:pic>
-        <p:nvPicPr>
-          <p:cNvPr id="5122" name="Picture 2" descr="https://2.bp.blogspot.com/-UkFi0lc1YAw/WUOw_rfM_yI/AAAAAAAAKFg/Yx3JaTNs3pcfHNsJMArad3mQ8EME98ZAQCLcBGAs/s400/B4.JPG"/>
-          <p:cNvPicPr>
-            <a:picLocks noChangeAspect="1" noChangeArrowheads="1"/>
-          </p:cNvPicPr>
-          <p:nvPr/>
-        </p:nvPicPr>
-        <p:blipFill>
-          <a:blip r:embed="rId3">
-            <a:extLst>
-              <a:ext uri="{28A0092B-C50C-407E-A947-70E740481C1C}">
-                <a14:useLocalDpi xmlns:a14="http://schemas.microsoft.com/office/drawing/2010/main" val="0"/>
-              </a:ext>
-            </a:extLst>
-          </a:blip>
-          <a:srcRect/>
-          <a:stretch>
-            <a:fillRect/>
-          </a:stretch>
-        </p:blipFill>
-        <p:spPr bwMode="auto">
-          <a:xfrm>
-            <a:off x="564725" y="6165304"/>
-            <a:ext cx="3810000" cy="1571626"/>
-          </a:xfrm>
-          <a:prstGeom prst="rect">
-            <a:avLst/>
-          </a:prstGeom>
-          <a:noFill/>
-          <a:extLst>
-            <a:ext uri="{909E8E84-426E-40DD-AFC4-6F175D3DCCD1}">
-              <a14:hiddenFill xmlns:a14="http://schemas.microsoft.com/office/drawing/2010/main">
-                <a:solidFill>
-                  <a:srgbClr val="FFFFFF"/>
-                </a:solidFill>
-              </a14:hiddenFill>
-            </a:ext>
-          </a:extLst>
-        </p:spPr>
-      </p:pic>
-      <p:pic>
-        <p:nvPicPr>
-          <p:cNvPr id="5124" name="Picture 4" descr="http://www.asimovinstitute.org/wp-content/uploads/2016/09/neuralnetworks.png"/>
-          <p:cNvPicPr>
-            <a:picLocks noChangeAspect="1" noChangeArrowheads="1"/>
-          </p:cNvPicPr>
-          <p:nvPr/>
-        </p:nvPicPr>
-        <p:blipFill>
-          <a:blip r:embed="rId4" cstate="print">
-            <a:extLst>
-              <a:ext uri="{28A0092B-C50C-407E-A947-70E740481C1C}">
-                <a14:useLocalDpi xmlns:a14="http://schemas.microsoft.com/office/drawing/2010/main" val="0"/>
-              </a:ext>
-            </a:extLst>
-          </a:blip>
-          <a:srcRect/>
-          <a:stretch>
-            <a:fillRect/>
-          </a:stretch>
-        </p:blipFill>
-        <p:spPr bwMode="auto">
-          <a:xfrm>
-            <a:off x="5508104" y="5877272"/>
-            <a:ext cx="3206079" cy="4809119"/>
           </a:xfrm>
           <a:prstGeom prst="rect">
             <a:avLst/>
